--- a/image/performance.pptx
+++ b/image/performance.pptx
@@ -195,7 +195,7 @@
               <c:strCache>
                 <c:ptCount val="1"/>
                 <c:pt idx="0">
-                  <c:v>Cpp-Taskflow</c:v>
+                  <c:v>Taskflow</c:v>
                 </c:pt>
               </c:strCache>
             </c:strRef>
@@ -796,7 +796,7 @@
               <c:strCache>
                 <c:ptCount val="1"/>
                 <c:pt idx="0">
-                  <c:v>Cpp-Taskflow</c:v>
+                  <c:v>Taskflow</c:v>
                 </c:pt>
               </c:strCache>
             </c:strRef>
@@ -1292,7 +1292,7 @@
               <c:strCache>
                 <c:ptCount val="1"/>
                 <c:pt idx="0">
-                  <c:v>Cpp-Taskflow</c:v>
+                  <c:v>Taskflow</c:v>
                 </c:pt>
               </c:strCache>
             </c:strRef>
@@ -2444,7 +2444,7 @@
               <c:strCache>
                 <c:ptCount val="1"/>
                 <c:pt idx="0">
-                  <c:v>Cpp-Taskflow</c:v>
+                  <c:v>Taskflow</c:v>
                 </c:pt>
               </c:strCache>
             </c:strRef>
@@ -10246,7 +10246,7 @@
           <a:p>
             <a:fld id="{E3A5D6DC-275E-5A4E-A28B-987FAD10E6F3}" type="datetimeFigureOut">
               <a:rPr lang="en-US" smtClean="0"/>
-              <a:t>4/23/20</a:t>
+              <a:t>6/1/20</a:t>
             </a:fld>
             <a:endParaRPr lang="en-US"/>
           </a:p>
@@ -10444,7 +10444,7 @@
           <a:p>
             <a:fld id="{E3A5D6DC-275E-5A4E-A28B-987FAD10E6F3}" type="datetimeFigureOut">
               <a:rPr lang="en-US" smtClean="0"/>
-              <a:t>4/23/20</a:t>
+              <a:t>6/1/20</a:t>
             </a:fld>
             <a:endParaRPr lang="en-US"/>
           </a:p>
@@ -10652,7 +10652,7 @@
           <a:p>
             <a:fld id="{E3A5D6DC-275E-5A4E-A28B-987FAD10E6F3}" type="datetimeFigureOut">
               <a:rPr lang="en-US" smtClean="0"/>
-              <a:t>4/23/20</a:t>
+              <a:t>6/1/20</a:t>
             </a:fld>
             <a:endParaRPr lang="en-US"/>
           </a:p>
@@ -10850,7 +10850,7 @@
           <a:p>
             <a:fld id="{E3A5D6DC-275E-5A4E-A28B-987FAD10E6F3}" type="datetimeFigureOut">
               <a:rPr lang="en-US" smtClean="0"/>
-              <a:t>4/23/20</a:t>
+              <a:t>6/1/20</a:t>
             </a:fld>
             <a:endParaRPr lang="en-US"/>
           </a:p>
@@ -11125,7 +11125,7 @@
           <a:p>
             <a:fld id="{E3A5D6DC-275E-5A4E-A28B-987FAD10E6F3}" type="datetimeFigureOut">
               <a:rPr lang="en-US" smtClean="0"/>
-              <a:t>4/23/20</a:t>
+              <a:t>6/1/20</a:t>
             </a:fld>
             <a:endParaRPr lang="en-US"/>
           </a:p>
@@ -11390,7 +11390,7 @@
           <a:p>
             <a:fld id="{E3A5D6DC-275E-5A4E-A28B-987FAD10E6F3}" type="datetimeFigureOut">
               <a:rPr lang="en-US" smtClean="0"/>
-              <a:t>4/23/20</a:t>
+              <a:t>6/1/20</a:t>
             </a:fld>
             <a:endParaRPr lang="en-US"/>
           </a:p>
@@ -11802,7 +11802,7 @@
           <a:p>
             <a:fld id="{E3A5D6DC-275E-5A4E-A28B-987FAD10E6F3}" type="datetimeFigureOut">
               <a:rPr lang="en-US" smtClean="0"/>
-              <a:t>4/23/20</a:t>
+              <a:t>6/1/20</a:t>
             </a:fld>
             <a:endParaRPr lang="en-US"/>
           </a:p>
@@ -11943,7 +11943,7 @@
           <a:p>
             <a:fld id="{E3A5D6DC-275E-5A4E-A28B-987FAD10E6F3}" type="datetimeFigureOut">
               <a:rPr lang="en-US" smtClean="0"/>
-              <a:t>4/23/20</a:t>
+              <a:t>6/1/20</a:t>
             </a:fld>
             <a:endParaRPr lang="en-US"/>
           </a:p>
@@ -12056,7 +12056,7 @@
           <a:p>
             <a:fld id="{E3A5D6DC-275E-5A4E-A28B-987FAD10E6F3}" type="datetimeFigureOut">
               <a:rPr lang="en-US" smtClean="0"/>
-              <a:t>4/23/20</a:t>
+              <a:t>6/1/20</a:t>
             </a:fld>
             <a:endParaRPr lang="en-US"/>
           </a:p>
@@ -12367,7 +12367,7 @@
           <a:p>
             <a:fld id="{E3A5D6DC-275E-5A4E-A28B-987FAD10E6F3}" type="datetimeFigureOut">
               <a:rPr lang="en-US" smtClean="0"/>
-              <a:t>4/23/20</a:t>
+              <a:t>6/1/20</a:t>
             </a:fld>
             <a:endParaRPr lang="en-US"/>
           </a:p>
@@ -12655,7 +12655,7 @@
           <a:p>
             <a:fld id="{E3A5D6DC-275E-5A4E-A28B-987FAD10E6F3}" type="datetimeFigureOut">
               <a:rPr lang="en-US" smtClean="0"/>
-              <a:t>4/23/20</a:t>
+              <a:t>6/1/20</a:t>
             </a:fld>
             <a:endParaRPr lang="en-US"/>
           </a:p>
@@ -12896,7 +12896,7 @@
           <a:p>
             <a:fld id="{E3A5D6DC-275E-5A4E-A28B-987FAD10E6F3}" type="datetimeFigureOut">
               <a:rPr lang="en-US" smtClean="0"/>
-              <a:t>4/23/20</a:t>
+              <a:t>6/1/20</a:t>
             </a:fld>
             <a:endParaRPr lang="en-US"/>
           </a:p>
@@ -13326,7 +13326,7 @@
           <p:nvPr>
             <p:extLst>
               <p:ext uri="{D42A27DB-BD31-4B8C-83A1-F6EECF244321}">
-                <p14:modId xmlns:p14="http://schemas.microsoft.com/office/powerpoint/2010/main" val="1090114465"/>
+                <p14:modId xmlns:p14="http://schemas.microsoft.com/office/powerpoint/2010/main" val="4281214549"/>
               </p:ext>
             </p:extLst>
           </p:nvPr>
@@ -13354,7 +13354,7 @@
           <p:nvPr>
             <p:extLst>
               <p:ext uri="{D42A27DB-BD31-4B8C-83A1-F6EECF244321}">
-                <p14:modId xmlns:p14="http://schemas.microsoft.com/office/powerpoint/2010/main" val="3971725306"/>
+                <p14:modId xmlns:p14="http://schemas.microsoft.com/office/powerpoint/2010/main" val="1389327621"/>
               </p:ext>
             </p:extLst>
           </p:nvPr>
@@ -13382,7 +13382,7 @@
           <p:nvPr>
             <p:extLst>
               <p:ext uri="{D42A27DB-BD31-4B8C-83A1-F6EECF244321}">
-                <p14:modId xmlns:p14="http://schemas.microsoft.com/office/powerpoint/2010/main" val="2531170800"/>
+                <p14:modId xmlns:p14="http://schemas.microsoft.com/office/powerpoint/2010/main" val="1541006541"/>
               </p:ext>
             </p:extLst>
           </p:nvPr>
@@ -13410,7 +13410,7 @@
           <p:nvPr>
             <p:extLst>
               <p:ext uri="{D42A27DB-BD31-4B8C-83A1-F6EECF244321}">
-                <p14:modId xmlns:p14="http://schemas.microsoft.com/office/powerpoint/2010/main" val="1938710452"/>
+                <p14:modId xmlns:p14="http://schemas.microsoft.com/office/powerpoint/2010/main" val="1877676976"/>
               </p:ext>
             </p:extLst>
           </p:nvPr>
